--- a/Prezentacija - CINEAPP.pptx
+++ b/Prezentacija - CINEAPP.pptx
@@ -346,7 +346,7 @@
             <a:fld id="{1D8BD707-D9CF-40AE-B4C6-C98DA3205C09}" type="datetimeFigureOut">
               <a:rPr lang="en-US" smtClean="0"/>
               <a:pPr/>
-              <a:t>5/29/2018</a:t>
+              <a:t>5/30/2018</a:t>
             </a:fld>
             <a:endParaRPr lang="en-US"/>
           </a:p>
@@ -535,7 +535,7 @@
             <a:fld id="{1D8BD707-D9CF-40AE-B4C6-C98DA3205C09}" type="datetimeFigureOut">
               <a:rPr lang="en-US" smtClean="0"/>
               <a:pPr/>
-              <a:t>5/29/2018</a:t>
+              <a:t>5/30/2018</a:t>
             </a:fld>
             <a:endParaRPr lang="en-US"/>
           </a:p>
@@ -712,7 +712,7 @@
             <a:fld id="{1D8BD707-D9CF-40AE-B4C6-C98DA3205C09}" type="datetimeFigureOut">
               <a:rPr lang="en-US" smtClean="0"/>
               <a:pPr/>
-              <a:t>5/29/2018</a:t>
+              <a:t>5/30/2018</a:t>
             </a:fld>
             <a:endParaRPr lang="en-US"/>
           </a:p>
@@ -894,7 +894,7 @@
             <a:fld id="{1D8BD707-D9CF-40AE-B4C6-C98DA3205C09}" type="datetimeFigureOut">
               <a:rPr lang="en-US" smtClean="0"/>
               <a:pPr/>
-              <a:t>5/29/2018</a:t>
+              <a:t>5/30/2018</a:t>
             </a:fld>
             <a:endParaRPr lang="en-US"/>
           </a:p>
@@ -1143,7 +1143,7 @@
             <a:fld id="{1D8BD707-D9CF-40AE-B4C6-C98DA3205C09}" type="datetimeFigureOut">
               <a:rPr lang="en-US" smtClean="0"/>
               <a:pPr/>
-              <a:t>5/29/2018</a:t>
+              <a:t>5/30/2018</a:t>
             </a:fld>
             <a:endParaRPr lang="en-US"/>
           </a:p>
@@ -1619,7 +1619,7 @@
             <a:fld id="{1D8BD707-D9CF-40AE-B4C6-C98DA3205C09}" type="datetimeFigureOut">
               <a:rPr lang="en-US" smtClean="0"/>
               <a:pPr/>
-              <a:t>5/29/2018</a:t>
+              <a:t>5/30/2018</a:t>
             </a:fld>
             <a:endParaRPr lang="en-US"/>
           </a:p>
@@ -2036,7 +2036,7 @@
             <a:fld id="{1D8BD707-D9CF-40AE-B4C6-C98DA3205C09}" type="datetimeFigureOut">
               <a:rPr lang="en-US" smtClean="0"/>
               <a:pPr/>
-              <a:t>5/29/2018</a:t>
+              <a:t>5/30/2018</a:t>
             </a:fld>
             <a:endParaRPr lang="en-US"/>
           </a:p>
@@ -2169,7 +2169,7 @@
             <a:fld id="{1D8BD707-D9CF-40AE-B4C6-C98DA3205C09}" type="datetimeFigureOut">
               <a:rPr lang="en-US" smtClean="0"/>
               <a:pPr/>
-              <a:t>5/29/2018</a:t>
+              <a:t>5/30/2018</a:t>
             </a:fld>
             <a:endParaRPr lang="en-US"/>
           </a:p>
@@ -2266,7 +2266,7 @@
             <a:fld id="{1D8BD707-D9CF-40AE-B4C6-C98DA3205C09}" type="datetimeFigureOut">
               <a:rPr lang="en-US" smtClean="0"/>
               <a:pPr/>
-              <a:t>5/29/2018</a:t>
+              <a:t>5/30/2018</a:t>
             </a:fld>
             <a:endParaRPr lang="en-US"/>
           </a:p>
@@ -2546,7 +2546,7 @@
             <a:fld id="{1D8BD707-D9CF-40AE-B4C6-C98DA3205C09}" type="datetimeFigureOut">
               <a:rPr lang="en-US" smtClean="0"/>
               <a:pPr/>
-              <a:t>5/29/2018</a:t>
+              <a:t>5/30/2018</a:t>
             </a:fld>
             <a:endParaRPr lang="en-US"/>
           </a:p>
@@ -2800,7 +2800,7 @@
             <a:fld id="{1D8BD707-D9CF-40AE-B4C6-C98DA3205C09}" type="datetimeFigureOut">
               <a:rPr lang="en-US" smtClean="0"/>
               <a:pPr/>
-              <a:t>5/29/2018</a:t>
+              <a:t>5/30/2018</a:t>
             </a:fld>
             <a:endParaRPr lang="en-US"/>
           </a:p>
@@ -3174,7 +3174,7 @@
             <a:fld id="{1D8BD707-D9CF-40AE-B4C6-C98DA3205C09}" type="datetimeFigureOut">
               <a:rPr lang="en-US" smtClean="0"/>
               <a:pPr/>
-              <a:t>5/29/2018</a:t>
+              <a:t>5/30/2018</a:t>
             </a:fld>
             <a:endParaRPr lang="en-US"/>
           </a:p>
@@ -3739,13 +3739,13 @@
   <p:clrMapOvr>
     <a:masterClrMapping/>
   </p:clrMapOvr>
-  <mc:AlternateContent xmlns:mc="http://schemas.openxmlformats.org/markup-compatibility/2006">
-    <mc:Choice xmlns:p14="http://schemas.microsoft.com/office/powerpoint/2010/main" Requires="p14">
+  <mc:AlternateContent xmlns:mc="http://schemas.openxmlformats.org/markup-compatibility/2006" xmlns:p14="http://schemas.microsoft.com/office/powerpoint/2010/main">
+    <mc:Choice Requires="p14">
       <p:transition spd="slow" p14:dur="1500">
         <p:split orient="vert"/>
       </p:transition>
     </mc:Choice>
-    <mc:Fallback>
+    <mc:Fallback xmlns="">
       <p:transition spd="slow">
         <p:split orient="vert"/>
       </p:transition>
@@ -3938,13 +3938,13 @@
   <p:clrMapOvr>
     <a:masterClrMapping/>
   </p:clrMapOvr>
-  <mc:AlternateContent xmlns:mc="http://schemas.openxmlformats.org/markup-compatibility/2006">
-    <mc:Choice xmlns:p14="http://schemas.microsoft.com/office/powerpoint/2010/main" Requires="p14">
+  <mc:AlternateContent xmlns:mc="http://schemas.openxmlformats.org/markup-compatibility/2006" xmlns:p14="http://schemas.microsoft.com/office/powerpoint/2010/main">
+    <mc:Choice Requires="p14">
       <p:transition spd="slow" p14:dur="1500">
         <p:split orient="vert"/>
       </p:transition>
     </mc:Choice>
-    <mc:Fallback>
+    <mc:Fallback xmlns="">
       <p:transition spd="slow">
         <p:split orient="vert"/>
       </p:transition>
@@ -4168,13 +4168,13 @@
   <p:clrMapOvr>
     <a:masterClrMapping/>
   </p:clrMapOvr>
-  <mc:AlternateContent xmlns:mc="http://schemas.openxmlformats.org/markup-compatibility/2006">
-    <mc:Choice xmlns:p14="http://schemas.microsoft.com/office/powerpoint/2010/main" Requires="p14">
+  <mc:AlternateContent xmlns:mc="http://schemas.openxmlformats.org/markup-compatibility/2006" xmlns:p14="http://schemas.microsoft.com/office/powerpoint/2010/main">
+    <mc:Choice Requires="p14">
       <p:transition spd="slow" p14:dur="1500">
         <p:split orient="vert"/>
       </p:transition>
     </mc:Choice>
-    <mc:Fallback>
+    <mc:Fallback xmlns="">
       <p:transition spd="slow">
         <p:split orient="vert"/>
       </p:transition>
@@ -4398,13 +4398,13 @@
   <p:clrMapOvr>
     <a:masterClrMapping/>
   </p:clrMapOvr>
-  <mc:AlternateContent xmlns:mc="http://schemas.openxmlformats.org/markup-compatibility/2006">
-    <mc:Choice xmlns:p14="http://schemas.microsoft.com/office/powerpoint/2010/main" Requires="p14">
+  <mc:AlternateContent xmlns:mc="http://schemas.openxmlformats.org/markup-compatibility/2006" xmlns:p14="http://schemas.microsoft.com/office/powerpoint/2010/main">
+    <mc:Choice Requires="p14">
       <p:transition spd="slow" p14:dur="1500">
         <p:split orient="vert"/>
       </p:transition>
     </mc:Choice>
-    <mc:Fallback>
+    <mc:Fallback xmlns="">
       <p:transition spd="slow">
         <p:split orient="vert"/>
       </p:transition>
@@ -4628,13 +4628,13 @@
   <p:clrMapOvr>
     <a:masterClrMapping/>
   </p:clrMapOvr>
-  <mc:AlternateContent xmlns:mc="http://schemas.openxmlformats.org/markup-compatibility/2006">
-    <mc:Choice xmlns:p14="http://schemas.microsoft.com/office/powerpoint/2010/main" Requires="p14">
+  <mc:AlternateContent xmlns:mc="http://schemas.openxmlformats.org/markup-compatibility/2006" xmlns:p14="http://schemas.microsoft.com/office/powerpoint/2010/main">
+    <mc:Choice Requires="p14">
       <p:transition spd="slow" p14:dur="1500">
         <p:split orient="vert"/>
       </p:transition>
     </mc:Choice>
-    <mc:Fallback>
+    <mc:Fallback xmlns="">
       <p:transition spd="slow">
         <p:split orient="vert"/>
       </p:transition>
@@ -4858,13 +4858,13 @@
   <p:clrMapOvr>
     <a:masterClrMapping/>
   </p:clrMapOvr>
-  <mc:AlternateContent xmlns:mc="http://schemas.openxmlformats.org/markup-compatibility/2006">
-    <mc:Choice xmlns:p14="http://schemas.microsoft.com/office/powerpoint/2010/main" Requires="p14">
+  <mc:AlternateContent xmlns:mc="http://schemas.openxmlformats.org/markup-compatibility/2006" xmlns:p14="http://schemas.microsoft.com/office/powerpoint/2010/main">
+    <mc:Choice Requires="p14">
       <p:transition spd="slow" p14:dur="1500">
         <p:split orient="vert"/>
       </p:transition>
     </mc:Choice>
-    <mc:Fallback>
+    <mc:Fallback xmlns="">
       <p:transition spd="slow">
         <p:split orient="vert"/>
       </p:transition>
@@ -5057,13 +5057,13 @@
   <p:clrMapOvr>
     <a:masterClrMapping/>
   </p:clrMapOvr>
-  <mc:AlternateContent xmlns:mc="http://schemas.openxmlformats.org/markup-compatibility/2006">
-    <mc:Choice xmlns:p14="http://schemas.microsoft.com/office/powerpoint/2010/main" Requires="p14">
+  <mc:AlternateContent xmlns:mc="http://schemas.openxmlformats.org/markup-compatibility/2006" xmlns:p14="http://schemas.microsoft.com/office/powerpoint/2010/main">
+    <mc:Choice Requires="p14">
       <p:transition spd="slow" p14:dur="1500">
         <p:split orient="vert"/>
       </p:transition>
     </mc:Choice>
-    <mc:Fallback>
+    <mc:Fallback xmlns="">
       <p:transition spd="slow">
         <p:split orient="vert"/>
       </p:transition>
@@ -5287,13 +5287,13 @@
   <p:clrMapOvr>
     <a:masterClrMapping/>
   </p:clrMapOvr>
-  <mc:AlternateContent xmlns:mc="http://schemas.openxmlformats.org/markup-compatibility/2006">
-    <mc:Choice xmlns:p14="http://schemas.microsoft.com/office/powerpoint/2010/main" Requires="p14">
+  <mc:AlternateContent xmlns:mc="http://schemas.openxmlformats.org/markup-compatibility/2006" xmlns:p14="http://schemas.microsoft.com/office/powerpoint/2010/main">
+    <mc:Choice Requires="p14">
       <p:transition spd="slow" p14:dur="1500">
         <p:split orient="vert"/>
       </p:transition>
     </mc:Choice>
-    <mc:Fallback>
+    <mc:Fallback xmlns="">
       <p:transition spd="slow">
         <p:split orient="vert"/>
       </p:transition>
@@ -5517,13 +5517,13 @@
   <p:clrMapOvr>
     <a:masterClrMapping/>
   </p:clrMapOvr>
-  <mc:AlternateContent xmlns:mc="http://schemas.openxmlformats.org/markup-compatibility/2006">
-    <mc:Choice xmlns:p14="http://schemas.microsoft.com/office/powerpoint/2010/main" Requires="p14">
+  <mc:AlternateContent xmlns:mc="http://schemas.openxmlformats.org/markup-compatibility/2006" xmlns:p14="http://schemas.microsoft.com/office/powerpoint/2010/main">
+    <mc:Choice Requires="p14">
       <p:transition spd="slow" p14:dur="1500">
         <p:split orient="vert"/>
       </p:transition>
     </mc:Choice>
-    <mc:Fallback>
+    <mc:Fallback xmlns="">
       <p:transition spd="slow">
         <p:split orient="vert"/>
       </p:transition>
@@ -5769,13 +5769,13 @@
   <p:clrMapOvr>
     <a:masterClrMapping/>
   </p:clrMapOvr>
-  <mc:AlternateContent xmlns:mc="http://schemas.openxmlformats.org/markup-compatibility/2006">
-    <mc:Choice xmlns:p14="http://schemas.microsoft.com/office/powerpoint/2010/main" Requires="p14">
+  <mc:AlternateContent xmlns:mc="http://schemas.openxmlformats.org/markup-compatibility/2006" xmlns:p14="http://schemas.microsoft.com/office/powerpoint/2010/main">
+    <mc:Choice Requires="p14">
       <p:transition spd="slow" p14:dur="1500">
         <p:split orient="vert"/>
       </p:transition>
     </mc:Choice>
-    <mc:Fallback>
+    <mc:Fallback xmlns="">
       <p:transition spd="slow">
         <p:split orient="vert"/>
       </p:transition>
@@ -6018,13 +6018,13 @@
   <p:clrMapOvr>
     <a:masterClrMapping/>
   </p:clrMapOvr>
-  <mc:AlternateContent xmlns:mc="http://schemas.openxmlformats.org/markup-compatibility/2006">
-    <mc:Choice xmlns:p14="http://schemas.microsoft.com/office/powerpoint/2010/main" Requires="p14">
+  <mc:AlternateContent xmlns:mc="http://schemas.openxmlformats.org/markup-compatibility/2006" xmlns:p14="http://schemas.microsoft.com/office/powerpoint/2010/main">
+    <mc:Choice Requires="p14">
       <p:transition spd="slow" p14:dur="1500">
         <p:split orient="vert"/>
       </p:transition>
     </mc:Choice>
-    <mc:Fallback>
+    <mc:Fallback xmlns="">
       <p:transition spd="slow">
         <p:split orient="vert"/>
       </p:transition>
@@ -6185,13 +6185,13 @@
   <p:clrMapOvr>
     <a:masterClrMapping/>
   </p:clrMapOvr>
-  <mc:AlternateContent xmlns:mc="http://schemas.openxmlformats.org/markup-compatibility/2006">
-    <mc:Choice xmlns:p14="http://schemas.microsoft.com/office/powerpoint/2010/main" Requires="p14">
+  <mc:AlternateContent xmlns:mc="http://schemas.openxmlformats.org/markup-compatibility/2006" xmlns:p14="http://schemas.microsoft.com/office/powerpoint/2010/main">
+    <mc:Choice Requires="p14">
       <p:transition spd="slow" p14:dur="1500">
         <p:split orient="vert"/>
       </p:transition>
     </mc:Choice>
-    <mc:Fallback>
+    <mc:Fallback xmlns="">
       <p:transition spd="slow">
         <p:split orient="vert"/>
       </p:transition>
@@ -6402,13 +6402,13 @@
   <p:clrMapOvr>
     <a:masterClrMapping/>
   </p:clrMapOvr>
-  <mc:AlternateContent xmlns:mc="http://schemas.openxmlformats.org/markup-compatibility/2006">
-    <mc:Choice xmlns:p14="http://schemas.microsoft.com/office/powerpoint/2010/main" Requires="p14">
+  <mc:AlternateContent xmlns:mc="http://schemas.openxmlformats.org/markup-compatibility/2006" xmlns:p14="http://schemas.microsoft.com/office/powerpoint/2010/main">
+    <mc:Choice Requires="p14">
       <p:transition spd="slow" p14:dur="1500">
         <p:split orient="vert"/>
       </p:transition>
     </mc:Choice>
-    <mc:Fallback>
+    <mc:Fallback xmlns="">
       <p:transition spd="slow">
         <p:split orient="vert"/>
       </p:transition>
@@ -6610,13 +6610,13 @@
   <p:clrMapOvr>
     <a:masterClrMapping/>
   </p:clrMapOvr>
-  <mc:AlternateContent xmlns:mc="http://schemas.openxmlformats.org/markup-compatibility/2006">
-    <mc:Choice xmlns:p14="http://schemas.microsoft.com/office/powerpoint/2010/main" Requires="p14">
+  <mc:AlternateContent xmlns:mc="http://schemas.openxmlformats.org/markup-compatibility/2006" xmlns:p14="http://schemas.microsoft.com/office/powerpoint/2010/main">
+    <mc:Choice Requires="p14">
       <p:transition spd="slow" p14:dur="1500">
         <p:split orient="vert"/>
       </p:transition>
     </mc:Choice>
-    <mc:Fallback>
+    <mc:Fallback xmlns="">
       <p:transition spd="slow">
         <p:split orient="vert"/>
       </p:transition>
@@ -6765,13 +6765,13 @@
   <p:clrMapOvr>
     <a:masterClrMapping/>
   </p:clrMapOvr>
-  <mc:AlternateContent xmlns:mc="http://schemas.openxmlformats.org/markup-compatibility/2006">
-    <mc:Choice xmlns:p14="http://schemas.microsoft.com/office/powerpoint/2010/main" Requires="p14">
+  <mc:AlternateContent xmlns:mc="http://schemas.openxmlformats.org/markup-compatibility/2006" xmlns:p14="http://schemas.microsoft.com/office/powerpoint/2010/main">
+    <mc:Choice Requires="p14">
       <p:transition spd="slow" p14:dur="1500">
         <p:split orient="vert"/>
       </p:transition>
     </mc:Choice>
-    <mc:Fallback>
+    <mc:Fallback xmlns="">
       <p:transition spd="slow">
         <p:split orient="vert"/>
       </p:transition>
@@ -7013,13 +7013,13 @@
   <p:clrMapOvr>
     <a:masterClrMapping/>
   </p:clrMapOvr>
-  <mc:AlternateContent xmlns:mc="http://schemas.openxmlformats.org/markup-compatibility/2006">
-    <mc:Choice xmlns:p14="http://schemas.microsoft.com/office/powerpoint/2010/main" Requires="p14">
+  <mc:AlternateContent xmlns:mc="http://schemas.openxmlformats.org/markup-compatibility/2006" xmlns:p14="http://schemas.microsoft.com/office/powerpoint/2010/main">
+    <mc:Choice Requires="p14">
       <p:transition spd="slow" p14:dur="1500">
         <p:split orient="vert"/>
       </p:transition>
     </mc:Choice>
-    <mc:Fallback>
+    <mc:Fallback xmlns="">
       <p:transition spd="slow">
         <p:split orient="vert"/>
       </p:transition>
@@ -7305,13 +7305,13 @@
   <p:clrMapOvr>
     <a:masterClrMapping/>
   </p:clrMapOvr>
-  <mc:AlternateContent xmlns:mc="http://schemas.openxmlformats.org/markup-compatibility/2006">
-    <mc:Choice xmlns:p14="http://schemas.microsoft.com/office/powerpoint/2010/main" Requires="p14">
+  <mc:AlternateContent xmlns:mc="http://schemas.openxmlformats.org/markup-compatibility/2006" xmlns:p14="http://schemas.microsoft.com/office/powerpoint/2010/main">
+    <mc:Choice Requires="p14">
       <p:transition spd="slow" p14:dur="1500">
         <p:split orient="vert"/>
       </p:transition>
     </mc:Choice>
-    <mc:Fallback>
+    <mc:Fallback xmlns="">
       <p:transition spd="slow">
         <p:split orient="vert"/>
       </p:transition>
@@ -7354,7 +7354,12 @@
             <p:ph type="title"/>
           </p:nvPr>
         </p:nvSpPr>
-        <p:spPr/>
+        <p:spPr>
+          <a:xfrm>
+            <a:off x="381000" y="13106"/>
+            <a:ext cx="8229600" cy="1399032"/>
+          </a:xfrm>
+        </p:spPr>
         <p:txBody>
           <a:bodyPr>
             <a:normAutofit/>
@@ -7369,25 +7374,65 @@
           </a:p>
         </p:txBody>
       </p:sp>
-      <p:sp>
-        <p:nvSpPr>
-          <p:cNvPr id="3" name="Content Placeholder 2"/>
-          <p:cNvSpPr>
-            <a:spLocks noGrp="1"/>
-          </p:cNvSpPr>
+      <p:pic>
+        <p:nvPicPr>
+          <p:cNvPr id="4" name="Content Placeholder 3"/>
+          <p:cNvPicPr>
+            <a:picLocks noGrp="1" noChangeAspect="1"/>
+          </p:cNvPicPr>
           <p:nvPr>
             <p:ph idx="1"/>
           </p:nvPr>
-        </p:nvSpPr>
-        <p:spPr/>
-        <p:txBody>
-          <a:bodyPr/>
-          <a:lstStyle/>
-          <a:p>
-            <a:endParaRPr lang="sr-Latn-BA" dirty="0"/>
-          </a:p>
-        </p:txBody>
-      </p:sp>
+        </p:nvPicPr>
+        <p:blipFill>
+          <a:blip r:embed="rId2">
+            <a:extLst>
+              <a:ext uri="{28A0092B-C50C-407E-A947-70E740481C1C}">
+                <a14:useLocalDpi xmlns:a14="http://schemas.microsoft.com/office/drawing/2010/main" val="0"/>
+              </a:ext>
+            </a:extLst>
+          </a:blip>
+          <a:stretch>
+            <a:fillRect/>
+          </a:stretch>
+        </p:blipFill>
+        <p:spPr>
+          <a:xfrm>
+            <a:off x="457200" y="1524000"/>
+            <a:ext cx="8229600" cy="4953000"/>
+          </a:xfrm>
+        </p:spPr>
+      </p:pic>
+      <p:pic>
+        <p:nvPicPr>
+          <p:cNvPr id="5" name="Picture 4"/>
+          <p:cNvPicPr>
+            <a:picLocks noChangeAspect="1"/>
+          </p:cNvPicPr>
+          <p:nvPr/>
+        </p:nvPicPr>
+        <p:blipFill>
+          <a:blip r:embed="rId3">
+            <a:extLst>
+              <a:ext uri="{28A0092B-C50C-407E-A947-70E740481C1C}">
+                <a14:useLocalDpi xmlns:a14="http://schemas.microsoft.com/office/drawing/2010/main" val="0"/>
+              </a:ext>
+            </a:extLst>
+          </a:blip>
+          <a:stretch>
+            <a:fillRect/>
+          </a:stretch>
+        </p:blipFill>
+        <p:spPr>
+          <a:xfrm>
+            <a:off x="6781800" y="0"/>
+            <a:ext cx="2152650" cy="1412138"/>
+          </a:xfrm>
+          <a:prstGeom prst="rect">
+            <a:avLst/>
+          </a:prstGeom>
+        </p:spPr>
+      </p:pic>
     </p:spTree>
     <p:extLst>
       <p:ext uri="{BB962C8B-B14F-4D97-AF65-F5344CB8AC3E}">
@@ -7398,13 +7443,13 @@
   <p:clrMapOvr>
     <a:masterClrMapping/>
   </p:clrMapOvr>
-  <mc:AlternateContent xmlns:mc="http://schemas.openxmlformats.org/markup-compatibility/2006">
-    <mc:Choice xmlns:p14="http://schemas.microsoft.com/office/powerpoint/2010/main" Requires="p14">
+  <mc:AlternateContent xmlns:mc="http://schemas.openxmlformats.org/markup-compatibility/2006" xmlns:p14="http://schemas.microsoft.com/office/powerpoint/2010/main">
+    <mc:Choice Requires="p14">
       <p:transition spd="slow" p14:dur="1500">
         <p:split orient="vert"/>
       </p:transition>
     </mc:Choice>
-    <mc:Fallback>
+    <mc:Fallback xmlns="">
       <p:transition spd="slow">
         <p:split orient="vert"/>
       </p:transition>
@@ -7536,13 +7581,13 @@
   <p:clrMapOvr>
     <a:masterClrMapping/>
   </p:clrMapOvr>
-  <mc:AlternateContent xmlns:mc="http://schemas.openxmlformats.org/markup-compatibility/2006">
-    <mc:Choice xmlns:p14="http://schemas.microsoft.com/office/powerpoint/2010/main" Requires="p14">
+  <mc:AlternateContent xmlns:mc="http://schemas.openxmlformats.org/markup-compatibility/2006" xmlns:p14="http://schemas.microsoft.com/office/powerpoint/2010/main">
+    <mc:Choice Requires="p14">
       <p:transition spd="slow" p14:dur="1500">
         <p:split orient="vert"/>
       </p:transition>
     </mc:Choice>
-    <mc:Fallback>
+    <mc:Fallback xmlns="">
       <p:transition spd="slow">
         <p:split orient="vert"/>
       </p:transition>
@@ -7714,13 +7759,13 @@
   <p:clrMapOvr>
     <a:masterClrMapping/>
   </p:clrMapOvr>
-  <mc:AlternateContent xmlns:mc="http://schemas.openxmlformats.org/markup-compatibility/2006">
-    <mc:Choice xmlns:p14="http://schemas.microsoft.com/office/powerpoint/2010/main" Requires="p14">
+  <mc:AlternateContent xmlns:mc="http://schemas.openxmlformats.org/markup-compatibility/2006" xmlns:p14="http://schemas.microsoft.com/office/powerpoint/2010/main">
+    <mc:Choice Requires="p14">
       <p:transition spd="slow" p14:dur="1500">
         <p:split orient="vert"/>
       </p:transition>
     </mc:Choice>
-    <mc:Fallback>
+    <mc:Fallback xmlns="">
       <p:transition spd="slow">
         <p:split orient="vert"/>
       </p:transition>
